--- a/figures/FeatureList.pptx
+++ b/figures/FeatureList.pptx
@@ -254,7 +254,7 @@
           <a:p>
             <a:fld id="{05E96843-7B46-4B48-90D8-0DCFB1A5D23C}" type="datetimeFigureOut">
               <a:rPr lang="en-US" smtClean="0"/>
-              <a:t>10/12/23</a:t>
+              <a:t>10/13/23</a:t>
             </a:fld>
             <a:endParaRPr lang="en-US"/>
           </a:p>
@@ -424,7 +424,7 @@
           <a:p>
             <a:fld id="{05E96843-7B46-4B48-90D8-0DCFB1A5D23C}" type="datetimeFigureOut">
               <a:rPr lang="en-US" smtClean="0"/>
-              <a:t>10/12/23</a:t>
+              <a:t>10/13/23</a:t>
             </a:fld>
             <a:endParaRPr lang="en-US"/>
           </a:p>
@@ -604,7 +604,7 @@
           <a:p>
             <a:fld id="{05E96843-7B46-4B48-90D8-0DCFB1A5D23C}" type="datetimeFigureOut">
               <a:rPr lang="en-US" smtClean="0"/>
-              <a:t>10/12/23</a:t>
+              <a:t>10/13/23</a:t>
             </a:fld>
             <a:endParaRPr lang="en-US"/>
           </a:p>
@@ -774,7 +774,7 @@
           <a:p>
             <a:fld id="{05E96843-7B46-4B48-90D8-0DCFB1A5D23C}" type="datetimeFigureOut">
               <a:rPr lang="en-US" smtClean="0"/>
-              <a:t>10/12/23</a:t>
+              <a:t>10/13/23</a:t>
             </a:fld>
             <a:endParaRPr lang="en-US"/>
           </a:p>
@@ -1020,7 +1020,7 @@
           <a:p>
             <a:fld id="{05E96843-7B46-4B48-90D8-0DCFB1A5D23C}" type="datetimeFigureOut">
               <a:rPr lang="en-US" smtClean="0"/>
-              <a:t>10/12/23</a:t>
+              <a:t>10/13/23</a:t>
             </a:fld>
             <a:endParaRPr lang="en-US"/>
           </a:p>
@@ -1252,7 +1252,7 @@
           <a:p>
             <a:fld id="{05E96843-7B46-4B48-90D8-0DCFB1A5D23C}" type="datetimeFigureOut">
               <a:rPr lang="en-US" smtClean="0"/>
-              <a:t>10/12/23</a:t>
+              <a:t>10/13/23</a:t>
             </a:fld>
             <a:endParaRPr lang="en-US"/>
           </a:p>
@@ -1619,7 +1619,7 @@
           <a:p>
             <a:fld id="{05E96843-7B46-4B48-90D8-0DCFB1A5D23C}" type="datetimeFigureOut">
               <a:rPr lang="en-US" smtClean="0"/>
-              <a:t>10/12/23</a:t>
+              <a:t>10/13/23</a:t>
             </a:fld>
             <a:endParaRPr lang="en-US"/>
           </a:p>
@@ -1737,7 +1737,7 @@
           <a:p>
             <a:fld id="{05E96843-7B46-4B48-90D8-0DCFB1A5D23C}" type="datetimeFigureOut">
               <a:rPr lang="en-US" smtClean="0"/>
-              <a:t>10/12/23</a:t>
+              <a:t>10/13/23</a:t>
             </a:fld>
             <a:endParaRPr lang="en-US"/>
           </a:p>
@@ -1832,7 +1832,7 @@
           <a:p>
             <a:fld id="{05E96843-7B46-4B48-90D8-0DCFB1A5D23C}" type="datetimeFigureOut">
               <a:rPr lang="en-US" smtClean="0"/>
-              <a:t>10/12/23</a:t>
+              <a:t>10/13/23</a:t>
             </a:fld>
             <a:endParaRPr lang="en-US"/>
           </a:p>
@@ -2109,7 +2109,7 @@
           <a:p>
             <a:fld id="{05E96843-7B46-4B48-90D8-0DCFB1A5D23C}" type="datetimeFigureOut">
               <a:rPr lang="en-US" smtClean="0"/>
-              <a:t>10/12/23</a:t>
+              <a:t>10/13/23</a:t>
             </a:fld>
             <a:endParaRPr lang="en-US"/>
           </a:p>
@@ -2366,7 +2366,7 @@
           <a:p>
             <a:fld id="{05E96843-7B46-4B48-90D8-0DCFB1A5D23C}" type="datetimeFigureOut">
               <a:rPr lang="en-US" smtClean="0"/>
-              <a:t>10/12/23</a:t>
+              <a:t>10/13/23</a:t>
             </a:fld>
             <a:endParaRPr lang="en-US"/>
           </a:p>
@@ -2579,7 +2579,7 @@
           <a:p>
             <a:fld id="{05E96843-7B46-4B48-90D8-0DCFB1A5D23C}" type="datetimeFigureOut">
               <a:rPr lang="en-US" smtClean="0"/>
-              <a:t>10/12/23</a:t>
+              <a:t>10/13/23</a:t>
             </a:fld>
             <a:endParaRPr lang="en-US"/>
           </a:p>
@@ -3167,54 +3167,6 @@
       </p:sp>
       <p:sp>
         <p:nvSpPr>
-          <p:cNvPr id="13" name="Rounded Rectangle 12">
-            <a:extLst>
-              <a:ext uri="{FF2B5EF4-FFF2-40B4-BE49-F238E27FC236}">
-                <a16:creationId xmlns:a16="http://schemas.microsoft.com/office/drawing/2014/main" id="{8B9435E4-76A6-D742-BAF7-6DF2E7FAB6A2}"/>
-              </a:ext>
-            </a:extLst>
-          </p:cNvPr>
-          <p:cNvSpPr/>
-          <p:nvPr/>
-        </p:nvSpPr>
-        <p:spPr>
-          <a:xfrm>
-            <a:off x="4481627" y="2545074"/>
-            <a:ext cx="2690446" cy="2690446"/>
-          </a:xfrm>
-          <a:prstGeom prst="roundRect">
-            <a:avLst>
-              <a:gd name="adj" fmla="val 12092"/>
-            </a:avLst>
-          </a:prstGeom>
-        </p:spPr>
-        <p:style>
-          <a:lnRef idx="2">
-            <a:schemeClr val="accent1">
-              <a:shade val="50000"/>
-            </a:schemeClr>
-          </a:lnRef>
-          <a:fillRef idx="1">
-            <a:schemeClr val="accent1"/>
-          </a:fillRef>
-          <a:effectRef idx="0">
-            <a:schemeClr val="accent1"/>
-          </a:effectRef>
-          <a:fontRef idx="minor">
-            <a:schemeClr val="lt1"/>
-          </a:fontRef>
-        </p:style>
-        <p:txBody>
-          <a:bodyPr rtlCol="0" anchor="ctr"/>
-          <a:lstStyle/>
-          <a:p>
-            <a:pPr algn="ctr"/>
-            <a:endParaRPr lang="en-US"/>
-          </a:p>
-        </p:txBody>
-      </p:sp>
-      <p:sp>
-        <p:nvSpPr>
           <p:cNvPr id="15" name="Right Arrow 14">
             <a:extLst>
               <a:ext uri="{FF2B5EF4-FFF2-40B4-BE49-F238E27FC236}">
@@ -3522,54 +3474,6 @@
       </p:grpSp>
       <p:sp>
         <p:nvSpPr>
-          <p:cNvPr id="21" name="Rounded Rectangle 20">
-            <a:extLst>
-              <a:ext uri="{FF2B5EF4-FFF2-40B4-BE49-F238E27FC236}">
-                <a16:creationId xmlns:a16="http://schemas.microsoft.com/office/drawing/2014/main" id="{EF2EFDFC-8767-EB46-9A93-2AD9EE8D4BCA}"/>
-              </a:ext>
-            </a:extLst>
-          </p:cNvPr>
-          <p:cNvSpPr/>
-          <p:nvPr/>
-        </p:nvSpPr>
-        <p:spPr>
-          <a:xfrm>
-            <a:off x="7507312" y="2545074"/>
-            <a:ext cx="2690446" cy="2690446"/>
-          </a:xfrm>
-          <a:prstGeom prst="roundRect">
-            <a:avLst>
-              <a:gd name="adj" fmla="val 12092"/>
-            </a:avLst>
-          </a:prstGeom>
-        </p:spPr>
-        <p:style>
-          <a:lnRef idx="2">
-            <a:schemeClr val="accent1">
-              <a:shade val="50000"/>
-            </a:schemeClr>
-          </a:lnRef>
-          <a:fillRef idx="1">
-            <a:schemeClr val="accent1"/>
-          </a:fillRef>
-          <a:effectRef idx="0">
-            <a:schemeClr val="accent1"/>
-          </a:effectRef>
-          <a:fontRef idx="minor">
-            <a:schemeClr val="lt1"/>
-          </a:fontRef>
-        </p:style>
-        <p:txBody>
-          <a:bodyPr rtlCol="0" anchor="ctr"/>
-          <a:lstStyle/>
-          <a:p>
-            <a:pPr algn="ctr"/>
-            <a:endParaRPr lang="en-US"/>
-          </a:p>
-        </p:txBody>
-      </p:sp>
-      <p:sp>
-        <p:nvSpPr>
           <p:cNvPr id="22" name="TextBox 21">
             <a:extLst>
               <a:ext uri="{FF2B5EF4-FFF2-40B4-BE49-F238E27FC236}">
@@ -3702,6 +3606,258 @@
           </a:p>
         </p:txBody>
       </p:sp>
+      <p:pic>
+        <p:nvPicPr>
+          <p:cNvPr id="28" name="Picture 27">
+            <a:extLst>
+              <a:ext uri="{FF2B5EF4-FFF2-40B4-BE49-F238E27FC236}">
+                <a16:creationId xmlns:a16="http://schemas.microsoft.com/office/drawing/2014/main" id="{4D829080-32F4-C046-BDC7-E7CE0DCD10A5}"/>
+              </a:ext>
+            </a:extLst>
+          </p:cNvPr>
+          <p:cNvPicPr>
+            <a:picLocks noChangeAspect="1"/>
+          </p:cNvPicPr>
+          <p:nvPr/>
+        </p:nvPicPr>
+        <p:blipFill>
+          <a:blip r:embed="rId2"/>
+          <a:srcRect/>
+          <a:stretch>
+            <a:fillRect/>
+          </a:stretch>
+        </p:blipFill>
+        <p:spPr>
+          <a:xfrm>
+            <a:off x="7530136" y="2545074"/>
+            <a:ext cx="2690446" cy="2690446"/>
+          </a:xfrm>
+          <a:custGeom>
+            <a:avLst/>
+            <a:gdLst>
+              <a:gd name="connsiteX0" fmla="*/ 448417 w 2690446"/>
+              <a:gd name="connsiteY0" fmla="*/ 0 h 2690446"/>
+              <a:gd name="connsiteX1" fmla="*/ 2242029 w 2690446"/>
+              <a:gd name="connsiteY1" fmla="*/ 0 h 2690446"/>
+              <a:gd name="connsiteX2" fmla="*/ 2690446 w 2690446"/>
+              <a:gd name="connsiteY2" fmla="*/ 448417 h 2690446"/>
+              <a:gd name="connsiteX3" fmla="*/ 2690446 w 2690446"/>
+              <a:gd name="connsiteY3" fmla="*/ 2242029 h 2690446"/>
+              <a:gd name="connsiteX4" fmla="*/ 2242029 w 2690446"/>
+              <a:gd name="connsiteY4" fmla="*/ 2690446 h 2690446"/>
+              <a:gd name="connsiteX5" fmla="*/ 448417 w 2690446"/>
+              <a:gd name="connsiteY5" fmla="*/ 2690446 h 2690446"/>
+              <a:gd name="connsiteX6" fmla="*/ 0 w 2690446"/>
+              <a:gd name="connsiteY6" fmla="*/ 2242029 h 2690446"/>
+              <a:gd name="connsiteX7" fmla="*/ 0 w 2690446"/>
+              <a:gd name="connsiteY7" fmla="*/ 448417 h 2690446"/>
+              <a:gd name="connsiteX8" fmla="*/ 448417 w 2690446"/>
+              <a:gd name="connsiteY8" fmla="*/ 0 h 2690446"/>
+            </a:gdLst>
+            <a:ahLst/>
+            <a:cxnLst>
+              <a:cxn ang="0">
+                <a:pos x="connsiteX0" y="connsiteY0"/>
+              </a:cxn>
+              <a:cxn ang="0">
+                <a:pos x="connsiteX1" y="connsiteY1"/>
+              </a:cxn>
+              <a:cxn ang="0">
+                <a:pos x="connsiteX2" y="connsiteY2"/>
+              </a:cxn>
+              <a:cxn ang="0">
+                <a:pos x="connsiteX3" y="connsiteY3"/>
+              </a:cxn>
+              <a:cxn ang="0">
+                <a:pos x="connsiteX4" y="connsiteY4"/>
+              </a:cxn>
+              <a:cxn ang="0">
+                <a:pos x="connsiteX5" y="connsiteY5"/>
+              </a:cxn>
+              <a:cxn ang="0">
+                <a:pos x="connsiteX6" y="connsiteY6"/>
+              </a:cxn>
+              <a:cxn ang="0">
+                <a:pos x="connsiteX7" y="connsiteY7"/>
+              </a:cxn>
+              <a:cxn ang="0">
+                <a:pos x="connsiteX8" y="connsiteY8"/>
+              </a:cxn>
+            </a:cxnLst>
+            <a:rect l="l" t="t" r="r" b="b"/>
+            <a:pathLst>
+              <a:path w="2690446" h="2690446">
+                <a:moveTo>
+                  <a:pt x="448417" y="0"/>
+                </a:moveTo>
+                <a:lnTo>
+                  <a:pt x="2242029" y="0"/>
+                </a:lnTo>
+                <a:cubicBezTo>
+                  <a:pt x="2489683" y="0"/>
+                  <a:pt x="2690446" y="200763"/>
+                  <a:pt x="2690446" y="448417"/>
+                </a:cubicBezTo>
+                <a:lnTo>
+                  <a:pt x="2690446" y="2242029"/>
+                </a:lnTo>
+                <a:cubicBezTo>
+                  <a:pt x="2690446" y="2489683"/>
+                  <a:pt x="2489683" y="2690446"/>
+                  <a:pt x="2242029" y="2690446"/>
+                </a:cubicBezTo>
+                <a:lnTo>
+                  <a:pt x="448417" y="2690446"/>
+                </a:lnTo>
+                <a:cubicBezTo>
+                  <a:pt x="200763" y="2690446"/>
+                  <a:pt x="0" y="2489683"/>
+                  <a:pt x="0" y="2242029"/>
+                </a:cubicBezTo>
+                <a:lnTo>
+                  <a:pt x="0" y="448417"/>
+                </a:lnTo>
+                <a:cubicBezTo>
+                  <a:pt x="0" y="200763"/>
+                  <a:pt x="200763" y="0"/>
+                  <a:pt x="448417" y="0"/>
+                </a:cubicBezTo>
+                <a:close/>
+              </a:path>
+            </a:pathLst>
+          </a:custGeom>
+        </p:spPr>
+      </p:pic>
+      <p:pic>
+        <p:nvPicPr>
+          <p:cNvPr id="29" name="Picture 28">
+            <a:extLst>
+              <a:ext uri="{FF2B5EF4-FFF2-40B4-BE49-F238E27FC236}">
+                <a16:creationId xmlns:a16="http://schemas.microsoft.com/office/drawing/2014/main" id="{B9F62931-B160-AC44-9D56-1B3E3F9A71CF}"/>
+              </a:ext>
+            </a:extLst>
+          </p:cNvPr>
+          <p:cNvPicPr>
+            <a:picLocks noChangeAspect="1"/>
+          </p:cNvPicPr>
+          <p:nvPr/>
+        </p:nvPicPr>
+        <p:blipFill>
+          <a:blip r:embed="rId3"/>
+          <a:srcRect r="263" b="568"/>
+          <a:stretch>
+            <a:fillRect/>
+          </a:stretch>
+        </p:blipFill>
+        <p:spPr>
+          <a:xfrm>
+            <a:off x="4502175" y="2553302"/>
+            <a:ext cx="2690446" cy="2682218"/>
+          </a:xfrm>
+          <a:custGeom>
+            <a:avLst/>
+            <a:gdLst>
+              <a:gd name="connsiteX0" fmla="*/ 254550 w 2690446"/>
+              <a:gd name="connsiteY0" fmla="*/ 0 h 2682218"/>
+              <a:gd name="connsiteX1" fmla="*/ 2435896 w 2690446"/>
+              <a:gd name="connsiteY1" fmla="*/ 0 h 2682218"/>
+              <a:gd name="connsiteX2" fmla="*/ 2491750 w 2690446"/>
+              <a:gd name="connsiteY2" fmla="*/ 17338 h 2682218"/>
+              <a:gd name="connsiteX3" fmla="*/ 2690446 w 2690446"/>
+              <a:gd name="connsiteY3" fmla="*/ 317101 h 2682218"/>
+              <a:gd name="connsiteX4" fmla="*/ 2690446 w 2690446"/>
+              <a:gd name="connsiteY4" fmla="*/ 2356889 h 2682218"/>
+              <a:gd name="connsiteX5" fmla="*/ 2365117 w 2690446"/>
+              <a:gd name="connsiteY5" fmla="*/ 2682218 h 2682218"/>
+              <a:gd name="connsiteX6" fmla="*/ 325329 w 2690446"/>
+              <a:gd name="connsiteY6" fmla="*/ 2682218 h 2682218"/>
+              <a:gd name="connsiteX7" fmla="*/ 0 w 2690446"/>
+              <a:gd name="connsiteY7" fmla="*/ 2356889 h 2682218"/>
+              <a:gd name="connsiteX8" fmla="*/ 0 w 2690446"/>
+              <a:gd name="connsiteY8" fmla="*/ 317101 h 2682218"/>
+              <a:gd name="connsiteX9" fmla="*/ 198697 w 2690446"/>
+              <a:gd name="connsiteY9" fmla="*/ 17338 h 2682218"/>
+            </a:gdLst>
+            <a:ahLst/>
+            <a:cxnLst>
+              <a:cxn ang="0">
+                <a:pos x="connsiteX0" y="connsiteY0"/>
+              </a:cxn>
+              <a:cxn ang="0">
+                <a:pos x="connsiteX1" y="connsiteY1"/>
+              </a:cxn>
+              <a:cxn ang="0">
+                <a:pos x="connsiteX2" y="connsiteY2"/>
+              </a:cxn>
+              <a:cxn ang="0">
+                <a:pos x="connsiteX3" y="connsiteY3"/>
+              </a:cxn>
+              <a:cxn ang="0">
+                <a:pos x="connsiteX4" y="connsiteY4"/>
+              </a:cxn>
+              <a:cxn ang="0">
+                <a:pos x="connsiteX5" y="connsiteY5"/>
+              </a:cxn>
+              <a:cxn ang="0">
+                <a:pos x="connsiteX6" y="connsiteY6"/>
+              </a:cxn>
+              <a:cxn ang="0">
+                <a:pos x="connsiteX7" y="connsiteY7"/>
+              </a:cxn>
+              <a:cxn ang="0">
+                <a:pos x="connsiteX8" y="connsiteY8"/>
+              </a:cxn>
+              <a:cxn ang="0">
+                <a:pos x="connsiteX9" y="connsiteY9"/>
+              </a:cxn>
+            </a:cxnLst>
+            <a:rect l="l" t="t" r="r" b="b"/>
+            <a:pathLst>
+              <a:path w="2690446" h="2682218">
+                <a:moveTo>
+                  <a:pt x="254550" y="0"/>
+                </a:moveTo>
+                <a:lnTo>
+                  <a:pt x="2435896" y="0"/>
+                </a:lnTo>
+                <a:lnTo>
+                  <a:pt x="2491750" y="17338"/>
+                </a:lnTo>
+                <a:cubicBezTo>
+                  <a:pt x="2608515" y="66726"/>
+                  <a:pt x="2690446" y="182346"/>
+                  <a:pt x="2690446" y="317101"/>
+                </a:cubicBezTo>
+                <a:lnTo>
+                  <a:pt x="2690446" y="2356889"/>
+                </a:lnTo>
+                <a:cubicBezTo>
+                  <a:pt x="2690446" y="2536563"/>
+                  <a:pt x="2544791" y="2682218"/>
+                  <a:pt x="2365117" y="2682218"/>
+                </a:cubicBezTo>
+                <a:lnTo>
+                  <a:pt x="325329" y="2682218"/>
+                </a:lnTo>
+                <a:cubicBezTo>
+                  <a:pt x="145655" y="2682218"/>
+                  <a:pt x="0" y="2536563"/>
+                  <a:pt x="0" y="2356889"/>
+                </a:cubicBezTo>
+                <a:lnTo>
+                  <a:pt x="0" y="317101"/>
+                </a:lnTo>
+                <a:cubicBezTo>
+                  <a:pt x="0" y="182346"/>
+                  <a:pt x="81931" y="66726"/>
+                  <a:pt x="198697" y="17338"/>
+                </a:cubicBezTo>
+                <a:close/>
+              </a:path>
+            </a:pathLst>
+          </a:custGeom>
+        </p:spPr>
+      </p:pic>
     </p:spTree>
     <p:extLst>
       <p:ext uri="{BB962C8B-B14F-4D97-AF65-F5344CB8AC3E}">

--- a/figures/FeatureList.pptx
+++ b/figures/FeatureList.pptx
@@ -254,7 +254,7 @@
           <a:p>
             <a:fld id="{05E96843-7B46-4B48-90D8-0DCFB1A5D23C}" type="datetimeFigureOut">
               <a:rPr lang="en-US" smtClean="0"/>
-              <a:t>10/13/23</a:t>
+              <a:t>10/14/23</a:t>
             </a:fld>
             <a:endParaRPr lang="en-US"/>
           </a:p>
@@ -424,7 +424,7 @@
           <a:p>
             <a:fld id="{05E96843-7B46-4B48-90D8-0DCFB1A5D23C}" type="datetimeFigureOut">
               <a:rPr lang="en-US" smtClean="0"/>
-              <a:t>10/13/23</a:t>
+              <a:t>10/14/23</a:t>
             </a:fld>
             <a:endParaRPr lang="en-US"/>
           </a:p>
@@ -604,7 +604,7 @@
           <a:p>
             <a:fld id="{05E96843-7B46-4B48-90D8-0DCFB1A5D23C}" type="datetimeFigureOut">
               <a:rPr lang="en-US" smtClean="0"/>
-              <a:t>10/13/23</a:t>
+              <a:t>10/14/23</a:t>
             </a:fld>
             <a:endParaRPr lang="en-US"/>
           </a:p>
@@ -774,7 +774,7 @@
           <a:p>
             <a:fld id="{05E96843-7B46-4B48-90D8-0DCFB1A5D23C}" type="datetimeFigureOut">
               <a:rPr lang="en-US" smtClean="0"/>
-              <a:t>10/13/23</a:t>
+              <a:t>10/14/23</a:t>
             </a:fld>
             <a:endParaRPr lang="en-US"/>
           </a:p>
@@ -1020,7 +1020,7 @@
           <a:p>
             <a:fld id="{05E96843-7B46-4B48-90D8-0DCFB1A5D23C}" type="datetimeFigureOut">
               <a:rPr lang="en-US" smtClean="0"/>
-              <a:t>10/13/23</a:t>
+              <a:t>10/14/23</a:t>
             </a:fld>
             <a:endParaRPr lang="en-US"/>
           </a:p>
@@ -1252,7 +1252,7 @@
           <a:p>
             <a:fld id="{05E96843-7B46-4B48-90D8-0DCFB1A5D23C}" type="datetimeFigureOut">
               <a:rPr lang="en-US" smtClean="0"/>
-              <a:t>10/13/23</a:t>
+              <a:t>10/14/23</a:t>
             </a:fld>
             <a:endParaRPr lang="en-US"/>
           </a:p>
@@ -1619,7 +1619,7 @@
           <a:p>
             <a:fld id="{05E96843-7B46-4B48-90D8-0DCFB1A5D23C}" type="datetimeFigureOut">
               <a:rPr lang="en-US" smtClean="0"/>
-              <a:t>10/13/23</a:t>
+              <a:t>10/14/23</a:t>
             </a:fld>
             <a:endParaRPr lang="en-US"/>
           </a:p>
@@ -1737,7 +1737,7 @@
           <a:p>
             <a:fld id="{05E96843-7B46-4B48-90D8-0DCFB1A5D23C}" type="datetimeFigureOut">
               <a:rPr lang="en-US" smtClean="0"/>
-              <a:t>10/13/23</a:t>
+              <a:t>10/14/23</a:t>
             </a:fld>
             <a:endParaRPr lang="en-US"/>
           </a:p>
@@ -1832,7 +1832,7 @@
           <a:p>
             <a:fld id="{05E96843-7B46-4B48-90D8-0DCFB1A5D23C}" type="datetimeFigureOut">
               <a:rPr lang="en-US" smtClean="0"/>
-              <a:t>10/13/23</a:t>
+              <a:t>10/14/23</a:t>
             </a:fld>
             <a:endParaRPr lang="en-US"/>
           </a:p>
@@ -2109,7 +2109,7 @@
           <a:p>
             <a:fld id="{05E96843-7B46-4B48-90D8-0DCFB1A5D23C}" type="datetimeFigureOut">
               <a:rPr lang="en-US" smtClean="0"/>
-              <a:t>10/13/23</a:t>
+              <a:t>10/14/23</a:t>
             </a:fld>
             <a:endParaRPr lang="en-US"/>
           </a:p>
@@ -2366,7 +2366,7 @@
           <a:p>
             <a:fld id="{05E96843-7B46-4B48-90D8-0DCFB1A5D23C}" type="datetimeFigureOut">
               <a:rPr lang="en-US" smtClean="0"/>
-              <a:t>10/13/23</a:t>
+              <a:t>10/14/23</a:t>
             </a:fld>
             <a:endParaRPr lang="en-US"/>
           </a:p>
@@ -2579,7 +2579,7 @@
           <a:p>
             <a:fld id="{05E96843-7B46-4B48-90D8-0DCFB1A5D23C}" type="datetimeFigureOut">
               <a:rPr lang="en-US" smtClean="0"/>
-              <a:t>10/13/23</a:t>
+              <a:t>10/14/23</a:t>
             </a:fld>
             <a:endParaRPr lang="en-US"/>
           </a:p>
@@ -3070,54 +3070,6 @@
       </p:sp>
       <p:sp>
         <p:nvSpPr>
-          <p:cNvPr id="6" name="Rounded Rectangle 5">
-            <a:extLst>
-              <a:ext uri="{FF2B5EF4-FFF2-40B4-BE49-F238E27FC236}">
-                <a16:creationId xmlns:a16="http://schemas.microsoft.com/office/drawing/2014/main" id="{225F9B94-7654-FC4B-A5A1-F5AE837A5C01}"/>
-              </a:ext>
-            </a:extLst>
-          </p:cNvPr>
-          <p:cNvSpPr/>
-          <p:nvPr/>
-        </p:nvSpPr>
-        <p:spPr>
-          <a:xfrm>
-            <a:off x="30314" y="1544027"/>
-            <a:ext cx="2690446" cy="2690446"/>
-          </a:xfrm>
-          <a:prstGeom prst="roundRect">
-            <a:avLst>
-              <a:gd name="adj" fmla="val 12092"/>
-            </a:avLst>
-          </a:prstGeom>
-        </p:spPr>
-        <p:style>
-          <a:lnRef idx="2">
-            <a:schemeClr val="accent1">
-              <a:shade val="50000"/>
-            </a:schemeClr>
-          </a:lnRef>
-          <a:fillRef idx="1">
-            <a:schemeClr val="accent1"/>
-          </a:fillRef>
-          <a:effectRef idx="0">
-            <a:schemeClr val="accent1"/>
-          </a:effectRef>
-          <a:fontRef idx="minor">
-            <a:schemeClr val="lt1"/>
-          </a:fontRef>
-        </p:style>
-        <p:txBody>
-          <a:bodyPr rtlCol="0" anchor="ctr"/>
-          <a:lstStyle/>
-          <a:p>
-            <a:pPr algn="ctr"/>
-            <a:endParaRPr lang="en-US"/>
-          </a:p>
-        </p:txBody>
-      </p:sp>
-      <p:sp>
-        <p:nvSpPr>
           <p:cNvPr id="9" name="TextBox 8">
             <a:extLst>
               <a:ext uri="{FF2B5EF4-FFF2-40B4-BE49-F238E27FC236}">
@@ -3511,54 +3463,6 @@
               <a:latin typeface="Heiti TC Medium" pitchFamily="2" charset="-128"/>
               <a:ea typeface="Heiti TC Medium" pitchFamily="2" charset="-128"/>
             </a:endParaRPr>
-          </a:p>
-        </p:txBody>
-      </p:sp>
-      <p:sp>
-        <p:nvSpPr>
-          <p:cNvPr id="25" name="Rounded Rectangle 24">
-            <a:extLst>
-              <a:ext uri="{FF2B5EF4-FFF2-40B4-BE49-F238E27FC236}">
-                <a16:creationId xmlns:a16="http://schemas.microsoft.com/office/drawing/2014/main" id="{C994E047-5D83-3D4F-8E46-F4BE15D60D94}"/>
-              </a:ext>
-            </a:extLst>
-          </p:cNvPr>
-          <p:cNvSpPr/>
-          <p:nvPr/>
-        </p:nvSpPr>
-        <p:spPr>
-          <a:xfrm>
-            <a:off x="10555821" y="1011535"/>
-            <a:ext cx="2690446" cy="2690446"/>
-          </a:xfrm>
-          <a:prstGeom prst="roundRect">
-            <a:avLst>
-              <a:gd name="adj" fmla="val 12092"/>
-            </a:avLst>
-          </a:prstGeom>
-        </p:spPr>
-        <p:style>
-          <a:lnRef idx="2">
-            <a:schemeClr val="accent1">
-              <a:shade val="50000"/>
-            </a:schemeClr>
-          </a:lnRef>
-          <a:fillRef idx="1">
-            <a:schemeClr val="accent1"/>
-          </a:fillRef>
-          <a:effectRef idx="0">
-            <a:schemeClr val="accent1"/>
-          </a:effectRef>
-          <a:fontRef idx="minor">
-            <a:schemeClr val="lt1"/>
-          </a:fontRef>
-        </p:style>
-        <p:txBody>
-          <a:bodyPr rtlCol="0" anchor="ctr"/>
-          <a:lstStyle/>
-          <a:p>
-            <a:pPr algn="ctr"/>
-            <a:endParaRPr lang="en-US"/>
           </a:p>
         </p:txBody>
       </p:sp>
@@ -3851,6 +3755,261 @@
                   <a:pt x="0" y="182346"/>
                   <a:pt x="81931" y="66726"/>
                   <a:pt x="198697" y="17338"/>
+                </a:cubicBezTo>
+                <a:close/>
+              </a:path>
+            </a:pathLst>
+          </a:custGeom>
+        </p:spPr>
+      </p:pic>
+      <p:pic>
+        <p:nvPicPr>
+          <p:cNvPr id="23" name="Picture 22">
+            <a:extLst>
+              <a:ext uri="{FF2B5EF4-FFF2-40B4-BE49-F238E27FC236}">
+                <a16:creationId xmlns:a16="http://schemas.microsoft.com/office/drawing/2014/main" id="{1FED90AC-B96B-2A4E-941A-C26ABCB6A336}"/>
+              </a:ext>
+            </a:extLst>
+          </p:cNvPr>
+          <p:cNvPicPr>
+            <a:picLocks noChangeAspect="1"/>
+          </p:cNvPicPr>
+          <p:nvPr/>
+        </p:nvPicPr>
+        <p:blipFill>
+          <a:blip r:embed="rId4">
+            <a:extLst>
+              <a:ext uri="{28A0092B-C50C-407E-A947-70E740481C1C}">
+                <a14:useLocalDpi xmlns:a14="http://schemas.microsoft.com/office/drawing/2010/main" val="0"/>
+              </a:ext>
+            </a:extLst>
+          </a:blip>
+          <a:srcRect l="257" t="775" r="3063" b="2545"/>
+          <a:stretch>
+            <a:fillRect/>
+          </a:stretch>
+        </p:blipFill>
+        <p:spPr>
+          <a:xfrm>
+            <a:off x="30314" y="1544027"/>
+            <a:ext cx="2690446" cy="2690446"/>
+          </a:xfrm>
+          <a:custGeom>
+            <a:avLst/>
+            <a:gdLst>
+              <a:gd name="connsiteX0" fmla="*/ 325329 w 2690446"/>
+              <a:gd name="connsiteY0" fmla="*/ 0 h 2690446"/>
+              <a:gd name="connsiteX1" fmla="*/ 2365117 w 2690446"/>
+              <a:gd name="connsiteY1" fmla="*/ 0 h 2690446"/>
+              <a:gd name="connsiteX2" fmla="*/ 2690446 w 2690446"/>
+              <a:gd name="connsiteY2" fmla="*/ 325329 h 2690446"/>
+              <a:gd name="connsiteX3" fmla="*/ 2690446 w 2690446"/>
+              <a:gd name="connsiteY3" fmla="*/ 2365117 h 2690446"/>
+              <a:gd name="connsiteX4" fmla="*/ 2365117 w 2690446"/>
+              <a:gd name="connsiteY4" fmla="*/ 2690446 h 2690446"/>
+              <a:gd name="connsiteX5" fmla="*/ 325329 w 2690446"/>
+              <a:gd name="connsiteY5" fmla="*/ 2690446 h 2690446"/>
+              <a:gd name="connsiteX6" fmla="*/ 0 w 2690446"/>
+              <a:gd name="connsiteY6" fmla="*/ 2365117 h 2690446"/>
+              <a:gd name="connsiteX7" fmla="*/ 0 w 2690446"/>
+              <a:gd name="connsiteY7" fmla="*/ 325329 h 2690446"/>
+              <a:gd name="connsiteX8" fmla="*/ 325329 w 2690446"/>
+              <a:gd name="connsiteY8" fmla="*/ 0 h 2690446"/>
+            </a:gdLst>
+            <a:ahLst/>
+            <a:cxnLst>
+              <a:cxn ang="0">
+                <a:pos x="connsiteX0" y="connsiteY0"/>
+              </a:cxn>
+              <a:cxn ang="0">
+                <a:pos x="connsiteX1" y="connsiteY1"/>
+              </a:cxn>
+              <a:cxn ang="0">
+                <a:pos x="connsiteX2" y="connsiteY2"/>
+              </a:cxn>
+              <a:cxn ang="0">
+                <a:pos x="connsiteX3" y="connsiteY3"/>
+              </a:cxn>
+              <a:cxn ang="0">
+                <a:pos x="connsiteX4" y="connsiteY4"/>
+              </a:cxn>
+              <a:cxn ang="0">
+                <a:pos x="connsiteX5" y="connsiteY5"/>
+              </a:cxn>
+              <a:cxn ang="0">
+                <a:pos x="connsiteX6" y="connsiteY6"/>
+              </a:cxn>
+              <a:cxn ang="0">
+                <a:pos x="connsiteX7" y="connsiteY7"/>
+              </a:cxn>
+              <a:cxn ang="0">
+                <a:pos x="connsiteX8" y="connsiteY8"/>
+              </a:cxn>
+            </a:cxnLst>
+            <a:rect l="l" t="t" r="r" b="b"/>
+            <a:pathLst>
+              <a:path w="2690446" h="2690446">
+                <a:moveTo>
+                  <a:pt x="325329" y="0"/>
+                </a:moveTo>
+                <a:lnTo>
+                  <a:pt x="2365117" y="0"/>
+                </a:lnTo>
+                <a:cubicBezTo>
+                  <a:pt x="2544791" y="0"/>
+                  <a:pt x="2690446" y="145655"/>
+                  <a:pt x="2690446" y="325329"/>
+                </a:cubicBezTo>
+                <a:lnTo>
+                  <a:pt x="2690446" y="2365117"/>
+                </a:lnTo>
+                <a:cubicBezTo>
+                  <a:pt x="2690446" y="2544791"/>
+                  <a:pt x="2544791" y="2690446"/>
+                  <a:pt x="2365117" y="2690446"/>
+                </a:cubicBezTo>
+                <a:lnTo>
+                  <a:pt x="325329" y="2690446"/>
+                </a:lnTo>
+                <a:cubicBezTo>
+                  <a:pt x="145655" y="2690446"/>
+                  <a:pt x="0" y="2544791"/>
+                  <a:pt x="0" y="2365117"/>
+                </a:cubicBezTo>
+                <a:lnTo>
+                  <a:pt x="0" y="325329"/>
+                </a:lnTo>
+                <a:cubicBezTo>
+                  <a:pt x="0" y="145655"/>
+                  <a:pt x="145655" y="0"/>
+                  <a:pt x="325329" y="0"/>
+                </a:cubicBezTo>
+                <a:close/>
+              </a:path>
+            </a:pathLst>
+          </a:custGeom>
+          <a:ln w="38100">
+            <a:solidFill>
+              <a:schemeClr val="tx1"/>
+            </a:solidFill>
+          </a:ln>
+        </p:spPr>
+      </p:pic>
+      <p:pic>
+        <p:nvPicPr>
+          <p:cNvPr id="21" name="Picture 20">
+            <a:extLst>
+              <a:ext uri="{FF2B5EF4-FFF2-40B4-BE49-F238E27FC236}">
+                <a16:creationId xmlns:a16="http://schemas.microsoft.com/office/drawing/2014/main" id="{CEC82FB0-249F-6E47-8EA1-7C11611DC7A5}"/>
+              </a:ext>
+            </a:extLst>
+          </p:cNvPr>
+          <p:cNvPicPr>
+            <a:picLocks noChangeAspect="1"/>
+          </p:cNvPicPr>
+          <p:nvPr/>
+        </p:nvPicPr>
+        <p:blipFill>
+          <a:blip r:embed="rId5"/>
+          <a:srcRect r="3053" b="3053"/>
+          <a:stretch>
+            <a:fillRect/>
+          </a:stretch>
+        </p:blipFill>
+        <p:spPr>
+          <a:xfrm>
+            <a:off x="10555821" y="1011535"/>
+            <a:ext cx="2690446" cy="2690446"/>
+          </a:xfrm>
+          <a:custGeom>
+            <a:avLst/>
+            <a:gdLst>
+              <a:gd name="connsiteX0" fmla="*/ 325329 w 2690446"/>
+              <a:gd name="connsiteY0" fmla="*/ 0 h 2690446"/>
+              <a:gd name="connsiteX1" fmla="*/ 2365117 w 2690446"/>
+              <a:gd name="connsiteY1" fmla="*/ 0 h 2690446"/>
+              <a:gd name="connsiteX2" fmla="*/ 2690446 w 2690446"/>
+              <a:gd name="connsiteY2" fmla="*/ 325329 h 2690446"/>
+              <a:gd name="connsiteX3" fmla="*/ 2690446 w 2690446"/>
+              <a:gd name="connsiteY3" fmla="*/ 2365117 h 2690446"/>
+              <a:gd name="connsiteX4" fmla="*/ 2365117 w 2690446"/>
+              <a:gd name="connsiteY4" fmla="*/ 2690446 h 2690446"/>
+              <a:gd name="connsiteX5" fmla="*/ 325329 w 2690446"/>
+              <a:gd name="connsiteY5" fmla="*/ 2690446 h 2690446"/>
+              <a:gd name="connsiteX6" fmla="*/ 0 w 2690446"/>
+              <a:gd name="connsiteY6" fmla="*/ 2365117 h 2690446"/>
+              <a:gd name="connsiteX7" fmla="*/ 0 w 2690446"/>
+              <a:gd name="connsiteY7" fmla="*/ 325329 h 2690446"/>
+              <a:gd name="connsiteX8" fmla="*/ 325329 w 2690446"/>
+              <a:gd name="connsiteY8" fmla="*/ 0 h 2690446"/>
+            </a:gdLst>
+            <a:ahLst/>
+            <a:cxnLst>
+              <a:cxn ang="0">
+                <a:pos x="connsiteX0" y="connsiteY0"/>
+              </a:cxn>
+              <a:cxn ang="0">
+                <a:pos x="connsiteX1" y="connsiteY1"/>
+              </a:cxn>
+              <a:cxn ang="0">
+                <a:pos x="connsiteX2" y="connsiteY2"/>
+              </a:cxn>
+              <a:cxn ang="0">
+                <a:pos x="connsiteX3" y="connsiteY3"/>
+              </a:cxn>
+              <a:cxn ang="0">
+                <a:pos x="connsiteX4" y="connsiteY4"/>
+              </a:cxn>
+              <a:cxn ang="0">
+                <a:pos x="connsiteX5" y="connsiteY5"/>
+              </a:cxn>
+              <a:cxn ang="0">
+                <a:pos x="connsiteX6" y="connsiteY6"/>
+              </a:cxn>
+              <a:cxn ang="0">
+                <a:pos x="connsiteX7" y="connsiteY7"/>
+              </a:cxn>
+              <a:cxn ang="0">
+                <a:pos x="connsiteX8" y="connsiteY8"/>
+              </a:cxn>
+            </a:cxnLst>
+            <a:rect l="l" t="t" r="r" b="b"/>
+            <a:pathLst>
+              <a:path w="2690446" h="2690446">
+                <a:moveTo>
+                  <a:pt x="325329" y="0"/>
+                </a:moveTo>
+                <a:lnTo>
+                  <a:pt x="2365117" y="0"/>
+                </a:lnTo>
+                <a:cubicBezTo>
+                  <a:pt x="2544791" y="0"/>
+                  <a:pt x="2690446" y="145655"/>
+                  <a:pt x="2690446" y="325329"/>
+                </a:cubicBezTo>
+                <a:lnTo>
+                  <a:pt x="2690446" y="2365117"/>
+                </a:lnTo>
+                <a:cubicBezTo>
+                  <a:pt x="2690446" y="2544791"/>
+                  <a:pt x="2544791" y="2690446"/>
+                  <a:pt x="2365117" y="2690446"/>
+                </a:cubicBezTo>
+                <a:lnTo>
+                  <a:pt x="325329" y="2690446"/>
+                </a:lnTo>
+                <a:cubicBezTo>
+                  <a:pt x="145655" y="2690446"/>
+                  <a:pt x="0" y="2544791"/>
+                  <a:pt x="0" y="2365117"/>
+                </a:cubicBezTo>
+                <a:lnTo>
+                  <a:pt x="0" y="325329"/>
+                </a:lnTo>
+                <a:cubicBezTo>
+                  <a:pt x="0" y="145655"/>
+                  <a:pt x="145655" y="0"/>
+                  <a:pt x="325329" y="0"/>
                 </a:cubicBezTo>
                 <a:close/>
               </a:path>
